--- a/hack_global_2024.pptx
+++ b/hack_global_2024.pptx
@@ -257,7 +257,7 @@
           <a:p>
             <a:fld id="{BDC315A7-5B66-4188-B198-6FF399210F17}" type="datetimeFigureOut">
               <a:rPr lang="en-US" smtClean="0"/>
-              <a:t>2024-10-29</a:t>
+              <a:t>10/29/24</a:t>
             </a:fld>
             <a:endParaRPr lang="en-US"/>
           </a:p>
@@ -427,7 +427,7 @@
           <a:p>
             <a:fld id="{BDC315A7-5B66-4188-B198-6FF399210F17}" type="datetimeFigureOut">
               <a:rPr lang="en-US" smtClean="0"/>
-              <a:t>2024-10-29</a:t>
+              <a:t>10/29/24</a:t>
             </a:fld>
             <a:endParaRPr lang="en-US"/>
           </a:p>
@@ -607,7 +607,7 @@
           <a:p>
             <a:fld id="{BDC315A7-5B66-4188-B198-6FF399210F17}" type="datetimeFigureOut">
               <a:rPr lang="en-US" smtClean="0"/>
-              <a:t>2024-10-29</a:t>
+              <a:t>10/29/24</a:t>
             </a:fld>
             <a:endParaRPr lang="en-US"/>
           </a:p>
@@ -777,7 +777,7 @@
           <a:p>
             <a:fld id="{BDC315A7-5B66-4188-B198-6FF399210F17}" type="datetimeFigureOut">
               <a:rPr lang="en-US" smtClean="0"/>
-              <a:t>2024-10-29</a:t>
+              <a:t>10/29/24</a:t>
             </a:fld>
             <a:endParaRPr lang="en-US"/>
           </a:p>
@@ -1023,7 +1023,7 @@
           <a:p>
             <a:fld id="{BDC315A7-5B66-4188-B198-6FF399210F17}" type="datetimeFigureOut">
               <a:rPr lang="en-US" smtClean="0"/>
-              <a:t>2024-10-29</a:t>
+              <a:t>10/29/24</a:t>
             </a:fld>
             <a:endParaRPr lang="en-US"/>
           </a:p>
@@ -1255,7 +1255,7 @@
           <a:p>
             <a:fld id="{BDC315A7-5B66-4188-B198-6FF399210F17}" type="datetimeFigureOut">
               <a:rPr lang="en-US" smtClean="0"/>
-              <a:t>2024-10-29</a:t>
+              <a:t>10/29/24</a:t>
             </a:fld>
             <a:endParaRPr lang="en-US"/>
           </a:p>
@@ -1622,7 +1622,7 @@
           <a:p>
             <a:fld id="{BDC315A7-5B66-4188-B198-6FF399210F17}" type="datetimeFigureOut">
               <a:rPr lang="en-US" smtClean="0"/>
-              <a:t>2024-10-29</a:t>
+              <a:t>10/29/24</a:t>
             </a:fld>
             <a:endParaRPr lang="en-US"/>
           </a:p>
@@ -1740,7 +1740,7 @@
           <a:p>
             <a:fld id="{BDC315A7-5B66-4188-B198-6FF399210F17}" type="datetimeFigureOut">
               <a:rPr lang="en-US" smtClean="0"/>
-              <a:t>2024-10-29</a:t>
+              <a:t>10/29/24</a:t>
             </a:fld>
             <a:endParaRPr lang="en-US"/>
           </a:p>
@@ -1835,7 +1835,7 @@
           <a:p>
             <a:fld id="{BDC315A7-5B66-4188-B198-6FF399210F17}" type="datetimeFigureOut">
               <a:rPr lang="en-US" smtClean="0"/>
-              <a:t>2024-10-29</a:t>
+              <a:t>10/29/24</a:t>
             </a:fld>
             <a:endParaRPr lang="en-US"/>
           </a:p>
@@ -2112,7 +2112,7 @@
           <a:p>
             <a:fld id="{BDC315A7-5B66-4188-B198-6FF399210F17}" type="datetimeFigureOut">
               <a:rPr lang="en-US" smtClean="0"/>
-              <a:t>2024-10-29</a:t>
+              <a:t>10/29/24</a:t>
             </a:fld>
             <a:endParaRPr lang="en-US"/>
           </a:p>
@@ -2369,7 +2369,7 @@
           <a:p>
             <a:fld id="{BDC315A7-5B66-4188-B198-6FF399210F17}" type="datetimeFigureOut">
               <a:rPr lang="en-US" smtClean="0"/>
-              <a:t>2024-10-29</a:t>
+              <a:t>10/29/24</a:t>
             </a:fld>
             <a:endParaRPr lang="en-US"/>
           </a:p>
@@ -2582,7 +2582,7 @@
           <a:p>
             <a:fld id="{BDC315A7-5B66-4188-B198-6FF399210F17}" type="datetimeFigureOut">
               <a:rPr lang="en-US" smtClean="0"/>
-              <a:t>2024-10-29</a:t>
+              <a:t>10/29/24</a:t>
             </a:fld>
             <a:endParaRPr lang="en-US"/>
           </a:p>
@@ -3893,7 +3893,37 @@
             </a:r>
             <a:r>
               <a:rPr lang="en-US" dirty="0"/>
-              <a:t>: https://github.com/yongjip/byteforce2024-grand-finals</a:t>
+              <a:t>: </a:t>
+            </a:r>
+            <a:r>
+              <a:rPr lang="en-US" dirty="0">
+                <a:hlinkClick r:id="rId2"/>
+              </a:rPr>
+              <a:t>https://</a:t>
+            </a:r>
+            <a:r>
+              <a:rPr lang="en-US" dirty="0" err="1">
+                <a:hlinkClick r:id="rId2"/>
+              </a:rPr>
+              <a:t>github.com</a:t>
+            </a:r>
+            <a:r>
+              <a:rPr lang="en-US" dirty="0">
+                <a:hlinkClick r:id="rId2"/>
+              </a:rPr>
+              <a:t>/</a:t>
+            </a:r>
+            <a:r>
+              <a:rPr lang="en-US" dirty="0" err="1">
+                <a:hlinkClick r:id="rId2"/>
+              </a:rPr>
+              <a:t>yongjip</a:t>
+            </a:r>
+            <a:r>
+              <a:rPr lang="en-US" dirty="0">
+                <a:hlinkClick r:id="rId2"/>
+              </a:rPr>
+              <a:t>/byteforce2024-grand-finals</a:t>
             </a:r>
             <a:br>
               <a:rPr lang="en-US" dirty="0"/>
@@ -3903,8 +3933,17 @@
           <a:p>
             <a:r>
               <a:rPr lang="en-US" dirty="0"/>
-              <a:t>Demo: https://www.youtube.com/watch?v=1mHC6FssszA&amp;feature=youtu.be</a:t>
-            </a:r>
+              <a:t>Demo: </a:t>
+            </a:r>
+            <a:r>
+              <a:rPr lang="en-US" b="0" i="0" dirty="0">
+                <a:effectLst/>
+                <a:latin typeface="inherit"/>
+                <a:hlinkClick r:id="rId3" tooltip="https://youtu.be/kDnj2R_PkIw"/>
+              </a:rPr>
+              <a:t>https://youtu.be/kDnj2R_PkIw</a:t>
+            </a:r>
+            <a:endParaRPr lang="en-US" dirty="0"/>
           </a:p>
         </p:txBody>
       </p:sp>

--- a/hack_global_2024.pptx
+++ b/hack_global_2024.pptx
@@ -20,6 +20,7 @@
     <p:sldId id="281" r:id="rId14"/>
     <p:sldId id="282" r:id="rId15"/>
     <p:sldId id="273" r:id="rId16"/>
+    <p:sldId id="283" r:id="rId17"/>
   </p:sldIdLst>
   <p:sldSz cx="12192000" cy="6858000"/>
   <p:notesSz cx="6858000" cy="9144000"/>
@@ -3960,6 +3961,221 @@
 </p:sld>
 </file>
 
+<file path=ppt/slides/slide16.xml><?xml version="1.0" encoding="utf-8"?>
+<p:sld xmlns:a="http://schemas.openxmlformats.org/drawingml/2006/main" xmlns:r="http://schemas.openxmlformats.org/officeDocument/2006/relationships" xmlns:p="http://schemas.openxmlformats.org/presentationml/2006/main">
+  <p:cSld>
+    <p:spTree>
+      <p:nvGrpSpPr>
+        <p:cNvPr id="1" name="">
+          <a:extLst>
+            <a:ext uri="{FF2B5EF4-FFF2-40B4-BE49-F238E27FC236}">
+              <a16:creationId xmlns:a16="http://schemas.microsoft.com/office/drawing/2014/main" id="{26BBB658-64A1-059A-34BB-E4E67E56DB94}"/>
+            </a:ext>
+          </a:extLst>
+        </p:cNvPr>
+        <p:cNvGrpSpPr/>
+        <p:nvPr/>
+      </p:nvGrpSpPr>
+      <p:grpSpPr>
+        <a:xfrm>
+          <a:off x="0" y="0"/>
+          <a:ext cx="0" cy="0"/>
+          <a:chOff x="0" y="0"/>
+          <a:chExt cx="0" cy="0"/>
+        </a:xfrm>
+      </p:grpSpPr>
+      <p:sp>
+        <p:nvSpPr>
+          <p:cNvPr id="3" name="TextBox 2">
+            <a:extLst>
+              <a:ext uri="{FF2B5EF4-FFF2-40B4-BE49-F238E27FC236}">
+                <a16:creationId xmlns:a16="http://schemas.microsoft.com/office/drawing/2014/main" id="{92E90767-ED07-0637-6297-08E63AC3F4E2}"/>
+              </a:ext>
+            </a:extLst>
+          </p:cNvPr>
+          <p:cNvSpPr txBox="1"/>
+          <p:nvPr/>
+        </p:nvSpPr>
+        <p:spPr>
+          <a:xfrm>
+            <a:off x="807462" y="437710"/>
+            <a:ext cx="8478365" cy="646331"/>
+          </a:xfrm>
+          <a:prstGeom prst="rect">
+            <a:avLst/>
+          </a:prstGeom>
+          <a:noFill/>
+        </p:spPr>
+        <p:txBody>
+          <a:bodyPr wrap="square" rtlCol="0">
+            <a:spAutoFit/>
+          </a:bodyPr>
+          <a:lstStyle/>
+          <a:p>
+            <a:r>
+              <a:rPr lang="en-KR" sz="3600" dirty="0"/>
+              <a:t>Appendix – Meal kit purchase from app</a:t>
+            </a:r>
+          </a:p>
+        </p:txBody>
+      </p:sp>
+      <p:pic>
+        <p:nvPicPr>
+          <p:cNvPr id="6" name="Picture 5" descr="A screenshot of a phone&#10;&#10;Description automatically generated">
+            <a:extLst>
+              <a:ext uri="{FF2B5EF4-FFF2-40B4-BE49-F238E27FC236}">
+                <a16:creationId xmlns:a16="http://schemas.microsoft.com/office/drawing/2014/main" id="{77238963-62BC-3E1D-31C0-0CE597A25516}"/>
+              </a:ext>
+            </a:extLst>
+          </p:cNvPr>
+          <p:cNvPicPr>
+            <a:picLocks noChangeAspect="1"/>
+          </p:cNvPicPr>
+          <p:nvPr/>
+        </p:nvPicPr>
+        <p:blipFill>
+          <a:blip r:embed="rId2">
+            <a:extLst>
+              <a:ext uri="{28A0092B-C50C-407E-A947-70E740481C1C}">
+                <a14:useLocalDpi xmlns:a14="http://schemas.microsoft.com/office/drawing/2010/main" val="0"/>
+              </a:ext>
+            </a:extLst>
+          </a:blip>
+          <a:stretch>
+            <a:fillRect/>
+          </a:stretch>
+        </p:blipFill>
+        <p:spPr>
+          <a:xfrm>
+            <a:off x="604367" y="1376797"/>
+            <a:ext cx="2327026" cy="5059257"/>
+          </a:xfrm>
+          <a:prstGeom prst="rect">
+            <a:avLst/>
+          </a:prstGeom>
+        </p:spPr>
+      </p:pic>
+      <p:pic>
+        <p:nvPicPr>
+          <p:cNvPr id="8" name="Picture 7" descr="A screenshot of a phone&#10;&#10;Description automatically generated">
+            <a:extLst>
+              <a:ext uri="{FF2B5EF4-FFF2-40B4-BE49-F238E27FC236}">
+                <a16:creationId xmlns:a16="http://schemas.microsoft.com/office/drawing/2014/main" id="{F7BD2703-364A-7910-E7C3-00247C93EB5A}"/>
+              </a:ext>
+            </a:extLst>
+          </p:cNvPr>
+          <p:cNvPicPr>
+            <a:picLocks noChangeAspect="1"/>
+          </p:cNvPicPr>
+          <p:nvPr/>
+        </p:nvPicPr>
+        <p:blipFill>
+          <a:blip r:embed="rId3">
+            <a:extLst>
+              <a:ext uri="{28A0092B-C50C-407E-A947-70E740481C1C}">
+                <a14:useLocalDpi xmlns:a14="http://schemas.microsoft.com/office/drawing/2010/main" val="0"/>
+              </a:ext>
+            </a:extLst>
+          </a:blip>
+          <a:stretch>
+            <a:fillRect/>
+          </a:stretch>
+        </p:blipFill>
+        <p:spPr>
+          <a:xfrm>
+            <a:off x="3457596" y="1376797"/>
+            <a:ext cx="2319776" cy="5043493"/>
+          </a:xfrm>
+          <a:prstGeom prst="rect">
+            <a:avLst/>
+          </a:prstGeom>
+        </p:spPr>
+      </p:pic>
+      <p:pic>
+        <p:nvPicPr>
+          <p:cNvPr id="12" name="Picture 11" descr="A screenshot of a menu&#10;&#10;Description automatically generated">
+            <a:extLst>
+              <a:ext uri="{FF2B5EF4-FFF2-40B4-BE49-F238E27FC236}">
+                <a16:creationId xmlns:a16="http://schemas.microsoft.com/office/drawing/2014/main" id="{01C2BF95-B541-EA7B-4699-E7E1D2ADEBBB}"/>
+              </a:ext>
+            </a:extLst>
+          </p:cNvPr>
+          <p:cNvPicPr>
+            <a:picLocks noChangeAspect="1"/>
+          </p:cNvPicPr>
+          <p:nvPr/>
+        </p:nvPicPr>
+        <p:blipFill>
+          <a:blip r:embed="rId4">
+            <a:extLst>
+              <a:ext uri="{28A0092B-C50C-407E-A947-70E740481C1C}">
+                <a14:useLocalDpi xmlns:a14="http://schemas.microsoft.com/office/drawing/2010/main" val="0"/>
+              </a:ext>
+            </a:extLst>
+          </a:blip>
+          <a:stretch>
+            <a:fillRect/>
+          </a:stretch>
+        </p:blipFill>
+        <p:spPr>
+          <a:xfrm>
+            <a:off x="6328797" y="1361033"/>
+            <a:ext cx="2327027" cy="5059257"/>
+          </a:xfrm>
+          <a:prstGeom prst="rect">
+            <a:avLst/>
+          </a:prstGeom>
+        </p:spPr>
+      </p:pic>
+      <p:pic>
+        <p:nvPicPr>
+          <p:cNvPr id="14" name="Picture 13" descr="A screenshot of a phone&#10;&#10;Description automatically generated">
+            <a:extLst>
+              <a:ext uri="{FF2B5EF4-FFF2-40B4-BE49-F238E27FC236}">
+                <a16:creationId xmlns:a16="http://schemas.microsoft.com/office/drawing/2014/main" id="{F8296211-211F-69EA-6F00-1CB2F3FDDBDD}"/>
+              </a:ext>
+            </a:extLst>
+          </p:cNvPr>
+          <p:cNvPicPr>
+            <a:picLocks noChangeAspect="1"/>
+          </p:cNvPicPr>
+          <p:nvPr/>
+        </p:nvPicPr>
+        <p:blipFill>
+          <a:blip r:embed="rId5">
+            <a:extLst>
+              <a:ext uri="{28A0092B-C50C-407E-A947-70E740481C1C}">
+                <a14:useLocalDpi xmlns:a14="http://schemas.microsoft.com/office/drawing/2010/main" val="0"/>
+              </a:ext>
+            </a:extLst>
+          </a:blip>
+          <a:stretch>
+            <a:fillRect/>
+          </a:stretch>
+        </p:blipFill>
+        <p:spPr>
+          <a:xfrm>
+            <a:off x="9285827" y="1361033"/>
+            <a:ext cx="2327027" cy="5059257"/>
+          </a:xfrm>
+          <a:prstGeom prst="rect">
+            <a:avLst/>
+          </a:prstGeom>
+        </p:spPr>
+      </p:pic>
+    </p:spTree>
+    <p:extLst>
+      <p:ext uri="{BB962C8B-B14F-4D97-AF65-F5344CB8AC3E}">
+        <p14:creationId xmlns:p14="http://schemas.microsoft.com/office/powerpoint/2010/main" val="3057265025"/>
+      </p:ext>
+    </p:extLst>
+  </p:cSld>
+  <p:clrMapOvr>
+    <a:masterClrMapping/>
+  </p:clrMapOvr>
+</p:sld>
+</file>
+
 <file path=ppt/slides/slide2.xml><?xml version="1.0" encoding="utf-8"?>
 <p:sld xmlns:a="http://schemas.openxmlformats.org/drawingml/2006/main" xmlns:r="http://schemas.openxmlformats.org/officeDocument/2006/relationships" xmlns:p="http://schemas.openxmlformats.org/presentationml/2006/main">
   <p:cSld>
